--- a/UM_DataManagementClass/Lessons/05/05_SecondMeeting.pptx
+++ b/UM_DataManagementClass/Lessons/05/05_SecondMeeting.pptx
@@ -5,7 +5,7 @@
     <p:sldMasterId id="2147483756" r:id="rId1"/>
   </p:sldMasterIdLst>
   <p:notesMasterIdLst>
-    <p:notesMasterId r:id="rId32"/>
+    <p:notesMasterId r:id="rId33"/>
   </p:notesMasterIdLst>
   <p:sldIdLst>
     <p:sldId id="256" r:id="rId2"/>
@@ -37,7 +37,8 @@
     <p:sldId id="296" r:id="rId28"/>
     <p:sldId id="299" r:id="rId29"/>
     <p:sldId id="287" r:id="rId30"/>
-    <p:sldId id="300" r:id="rId31"/>
+    <p:sldId id="302" r:id="rId31"/>
+    <p:sldId id="300" r:id="rId32"/>
   </p:sldIdLst>
   <p:sldSz cx="12192000" cy="6858000"/>
   <p:notesSz cx="7010400" cy="9296400"/>
@@ -138,7 +139,7 @@
   </p:defaultTextStyle>
   <p:extLst>
     <p:ext uri="{EFAFB233-063F-42B5-8137-9DF3F51BA10A}">
-      <p15:sldGuideLst xmlns="" xmlns:p15="http://schemas.microsoft.com/office/powerpoint/2012/main">
+      <p15:sldGuideLst xmlns:p15="http://schemas.microsoft.com/office/powerpoint/2012/main">
         <p15:guide id="1" orient="horz" pos="2160" userDrawn="1">
           <p15:clr>
             <a:srgbClr val="A4A3A4"/>
@@ -238,7 +239,7 @@
             <a:fld id="{0B10C68B-4B56-4C57-A100-1112E8D05063}" type="datetimeFigureOut">
               <a:rPr lang="en-US" smtClean="0"/>
               <a:pPr/>
-              <a:t>2/9/16</a:t>
+              <a:t>2/10/2016</a:t>
             </a:fld>
             <a:endParaRPr lang="en-US"/>
           </a:p>
@@ -1176,7 +1177,7 @@
               <a:pPr>
                 <a:defRPr/>
               </a:pPr>
-              <a:t>2/9/16</a:t>
+              <a:t>2/10/2016</a:t>
             </a:fld>
             <a:endParaRPr lang="en-US">
               <a:solidFill>
@@ -1391,7 +1392,7 @@
               <a:pPr>
                 <a:defRPr/>
               </a:pPr>
-              <a:t>2/9/16</a:t>
+              <a:t>2/10/2016</a:t>
             </a:fld>
             <a:endParaRPr lang="en-US">
               <a:solidFill>
@@ -1616,7 +1617,7 @@
               <a:pPr>
                 <a:defRPr/>
               </a:pPr>
-              <a:t>2/9/16</a:t>
+              <a:t>2/10/2016</a:t>
             </a:fld>
             <a:endParaRPr lang="en-US">
               <a:solidFill>
@@ -1857,7 +1858,7 @@
               <a:pPr>
                 <a:defRPr/>
               </a:pPr>
-              <a:t>2/9/16</a:t>
+              <a:t>2/10/2016</a:t>
             </a:fld>
             <a:endParaRPr lang="en-US">
               <a:solidFill>
@@ -2146,7 +2147,7 @@
               <a:pPr>
                 <a:defRPr/>
               </a:pPr>
-              <a:t>2/9/16</a:t>
+              <a:t>2/10/2016</a:t>
             </a:fld>
             <a:endParaRPr lang="en-US">
               <a:solidFill>
@@ -2467,7 +2468,7 @@
               <a:pPr>
                 <a:defRPr/>
               </a:pPr>
-              <a:t>2/9/16</a:t>
+              <a:t>2/10/2016</a:t>
             </a:fld>
             <a:endParaRPr lang="en-US">
               <a:solidFill>
@@ -2927,7 +2928,7 @@
               <a:pPr>
                 <a:defRPr/>
               </a:pPr>
-              <a:t>2/9/16</a:t>
+              <a:t>2/10/2016</a:t>
             </a:fld>
             <a:endParaRPr lang="en-US">
               <a:solidFill>
@@ -3098,7 +3099,7 @@
               <a:pPr>
                 <a:defRPr/>
               </a:pPr>
-              <a:t>2/9/16</a:t>
+              <a:t>2/10/2016</a:t>
             </a:fld>
             <a:endParaRPr lang="en-US">
               <a:solidFill>
@@ -3238,7 +3239,7 @@
               <a:pPr>
                 <a:defRPr/>
               </a:pPr>
-              <a:t>2/9/16</a:t>
+              <a:t>2/10/2016</a:t>
             </a:fld>
             <a:endParaRPr lang="en-US">
               <a:solidFill>
@@ -3560,7 +3561,7 @@
               <a:pPr>
                 <a:defRPr/>
               </a:pPr>
-              <a:t>2/9/16</a:t>
+              <a:t>2/10/2016</a:t>
             </a:fld>
             <a:endParaRPr lang="en-US">
               <a:solidFill>
@@ -3862,7 +3863,7 @@
               <a:pPr>
                 <a:defRPr/>
               </a:pPr>
-              <a:t>2/9/16</a:t>
+              <a:t>2/10/2016</a:t>
             </a:fld>
             <a:endParaRPr lang="en-US">
               <a:solidFill>
@@ -4120,7 +4121,7 @@
               <a:pPr>
                 <a:defRPr/>
               </a:pPr>
-              <a:t>2/9/16</a:t>
+              <a:t>2/10/2016</a:t>
             </a:fld>
             <a:endParaRPr lang="en-US">
               <a:solidFill>
@@ -4743,7 +4744,7 @@
   <p:timing>
     <p:tnLst>
       <p:par>
-        <p:cTn xmlns:p14="http://schemas.microsoft.com/office/powerpoint/2010/main" id="1" dur="indefinite" restart="never" nodeType="tmRoot"/>
+        <p:cTn id="1" dur="indefinite" restart="never" nodeType="tmRoot"/>
       </p:par>
     </p:tnLst>
   </p:timing>
@@ -5225,7 +5226,7 @@
   <p:timing>
     <p:tnLst>
       <p:par>
-        <p:cTn xmlns:p14="http://schemas.microsoft.com/office/powerpoint/2010/main" id="1" dur="indefinite" restart="never" nodeType="tmRoot"/>
+        <p:cTn id="1" dur="indefinite" restart="never" nodeType="tmRoot"/>
       </p:par>
     </p:tnLst>
   </p:timing>
@@ -5448,7 +5449,7 @@
   <p:timing>
     <p:tnLst>
       <p:par>
-        <p:cTn xmlns:p14="http://schemas.microsoft.com/office/powerpoint/2010/main" id="1" dur="indefinite" restart="never" nodeType="tmRoot">
+        <p:cTn id="1" dur="indefinite" restart="never" nodeType="tmRoot">
           <p:childTnLst>
             <p:seq concurrent="1" nextAc="seek">
               <p:cTn id="2" dur="indefinite" nodeType="mainSeq">
@@ -6348,11 +6349,7 @@
             </a:r>
             <a:r>
               <a:rPr lang="en-US" dirty="0" smtClean="0"/>
-              <a:t> for example</a:t>
-            </a:r>
-            <a:r>
-              <a:rPr lang="en-US" dirty="0" smtClean="0"/>
-              <a:t>.</a:t>
+              <a:t> for example.</a:t>
             </a:r>
           </a:p>
           <a:p>
@@ -6491,7 +6488,7 @@
   <p:timing>
     <p:tnLst>
       <p:par>
-        <p:cTn xmlns:p14="http://schemas.microsoft.com/office/powerpoint/2010/main" id="1" dur="indefinite" restart="never" nodeType="tmRoot">
+        <p:cTn id="1" dur="indefinite" restart="never" nodeType="tmRoot">
           <p:childTnLst>
             <p:seq concurrent="1" nextAc="seek">
               <p:cTn id="2" dur="indefinite" nodeType="mainSeq">
@@ -7018,7 +7015,7 @@
           <a:noFill/>
           <a:extLst>
             <a:ext uri="{909E8E84-426E-40dd-AFC4-6F175D3DCCD1}">
-              <a14:hiddenFill xmlns:a14="http://schemas.microsoft.com/office/drawing/2010/main">
+              <a14:hiddenFill xmlns:a14="http://schemas.microsoft.com/office/drawing/2010/main" xmlns="">
                 <a:solidFill>
                   <a:srgbClr val="FFFFFF"/>
                 </a:solidFill>
@@ -7274,7 +7271,7 @@
   <p:timing>
     <p:tnLst>
       <p:par>
-        <p:cTn xmlns:p14="http://schemas.microsoft.com/office/powerpoint/2010/main" id="1" dur="indefinite" restart="never" nodeType="tmRoot"/>
+        <p:cTn id="1" dur="indefinite" restart="never" nodeType="tmRoot"/>
       </p:par>
     </p:tnLst>
   </p:timing>
@@ -7365,7 +7362,6 @@
               <a:rPr lang="en-US" dirty="0" smtClean="0"/>
               <a:t>Access and passwords</a:t>
             </a:r>
-            <a:endParaRPr lang="en-US" dirty="0" smtClean="0"/>
           </a:p>
           <a:p>
             <a:pPr marL="3657600" indent="0">
@@ -7769,7 +7765,7 @@
   <p:timing>
     <p:tnLst>
       <p:par>
-        <p:cTn xmlns:p14="http://schemas.microsoft.com/office/powerpoint/2010/main" id="1" dur="indefinite" restart="never" nodeType="tmRoot"/>
+        <p:cTn id="1" dur="indefinite" restart="never" nodeType="tmRoot"/>
       </p:par>
     </p:tnLst>
   </p:timing>
@@ -7870,7 +7866,7 @@
   <p:timing>
     <p:tnLst>
       <p:par>
-        <p:cTn xmlns:p14="http://schemas.microsoft.com/office/powerpoint/2010/main" id="1" dur="indefinite" restart="never" nodeType="tmRoot"/>
+        <p:cTn id="1" dur="indefinite" restart="never" nodeType="tmRoot"/>
       </p:par>
     </p:tnLst>
   </p:timing>
@@ -7991,7 +7987,7 @@
   <p:timing>
     <p:tnLst>
       <p:par>
-        <p:cTn xmlns:p14="http://schemas.microsoft.com/office/powerpoint/2010/main" id="1" dur="indefinite" restart="never" nodeType="tmRoot"/>
+        <p:cTn id="1" dur="indefinite" restart="never" nodeType="tmRoot"/>
       </p:par>
     </p:tnLst>
   </p:timing>
@@ -8137,7 +8133,7 @@
   <p:timing>
     <p:tnLst>
       <p:par>
-        <p:cTn xmlns:p14="http://schemas.microsoft.com/office/powerpoint/2010/main" id="1" dur="indefinite" restart="never" nodeType="tmRoot"/>
+        <p:cTn id="1" dur="indefinite" restart="never" nodeType="tmRoot"/>
       </p:par>
     </p:tnLst>
   </p:timing>
@@ -8811,7 +8807,7 @@
   <p:timing>
     <p:tnLst>
       <p:par>
-        <p:cTn xmlns:p14="http://schemas.microsoft.com/office/powerpoint/2010/main" id="1" dur="indefinite" restart="never" nodeType="tmRoot"/>
+        <p:cTn id="1" dur="indefinite" restart="never" nodeType="tmRoot"/>
       </p:par>
     </p:tnLst>
   </p:timing>
@@ -9457,7 +9453,7 @@
   <p:timing>
     <p:tnLst>
       <p:par>
-        <p:cTn xmlns:p14="http://schemas.microsoft.com/office/powerpoint/2010/main" id="1" dur="indefinite" restart="never" nodeType="tmRoot">
+        <p:cTn id="1" dur="indefinite" restart="never" nodeType="tmRoot">
           <p:childTnLst>
             <p:seq concurrent="1" nextAc="seek">
               <p:cTn id="2" dur="indefinite" nodeType="mainSeq">
@@ -9941,7 +9937,7 @@
   <p:timing>
     <p:tnLst>
       <p:par>
-        <p:cTn xmlns:p14="http://schemas.microsoft.com/office/powerpoint/2010/main" id="1" dur="indefinite" restart="never" nodeType="tmRoot"/>
+        <p:cTn id="1" dur="indefinite" restart="never" nodeType="tmRoot"/>
       </p:par>
     </p:tnLst>
   </p:timing>
@@ -10032,19 +10028,7 @@
             </a:r>
             <a:r>
               <a:rPr lang="en-US" dirty="0" smtClean="0"/>
-              <a:t> </a:t>
-            </a:r>
-            <a:r>
-              <a:rPr lang="en-US" dirty="0" smtClean="0"/>
-              <a:t>– </a:t>
-            </a:r>
-            <a:r>
-              <a:rPr lang="en-US" dirty="0" smtClean="0"/>
-              <a:t>structured</a:t>
-            </a:r>
-            <a:r>
-              <a:rPr lang="en-US" dirty="0" smtClean="0"/>
-              <a:t>/unstructured – captured/derived – indexical/attribute/metadata – primary/tertiary</a:t>
+              <a:t> – structured/unstructured – captured/derived – indexical/attribute/metadata – primary/tertiary</a:t>
             </a:r>
           </a:p>
           <a:p>
@@ -10065,11 +10049,7 @@
             </a:pPr>
             <a:r>
               <a:rPr lang="en-US" dirty="0" smtClean="0"/>
-              <a:t>unprocessed </a:t>
-            </a:r>
-            <a:r>
-              <a:rPr lang="en-US" dirty="0" smtClean="0"/>
-              <a:t>– processed/derived – analyzed - published</a:t>
+              <a:t>unprocessed – processed/derived – analyzed - published</a:t>
             </a:r>
           </a:p>
           <a:p>
@@ -10121,7 +10101,7 @@
   <p:timing>
     <p:tnLst>
       <p:par>
-        <p:cTn xmlns:p14="http://schemas.microsoft.com/office/powerpoint/2010/main" id="1" dur="indefinite" restart="never" nodeType="tmRoot"/>
+        <p:cTn id="1" dur="indefinite" restart="never" nodeType="tmRoot"/>
       </p:par>
     </p:tnLst>
   </p:timing>
@@ -10247,7 +10227,7 @@
   <p:timing>
     <p:tnLst>
       <p:par>
-        <p:cTn xmlns:p14="http://schemas.microsoft.com/office/powerpoint/2010/main" id="1" dur="indefinite" restart="never" nodeType="tmRoot"/>
+        <p:cTn id="1" dur="indefinite" restart="never" nodeType="tmRoot"/>
       </p:par>
     </p:tnLst>
   </p:timing>
@@ -10373,7 +10353,7 @@
   <p:timing>
     <p:tnLst>
       <p:par>
-        <p:cTn xmlns:p14="http://schemas.microsoft.com/office/powerpoint/2010/main" id="1" dur="indefinite" restart="never" nodeType="tmRoot"/>
+        <p:cTn id="1" dur="indefinite" restart="never" nodeType="tmRoot"/>
       </p:par>
     </p:tnLst>
   </p:timing>
@@ -10566,7 +10546,7 @@
   <p:timing>
     <p:tnLst>
       <p:par>
-        <p:cTn xmlns:p14="http://schemas.microsoft.com/office/powerpoint/2010/main" id="1" dur="indefinite" restart="never" nodeType="tmRoot"/>
+        <p:cTn id="1" dur="indefinite" restart="never" nodeType="tmRoot"/>
       </p:par>
     </p:tnLst>
   </p:timing>
@@ -10785,6 +10765,308 @@
 </file>
 
 <file path=ppt/slides/slide30.xml><?xml version="1.0" encoding="utf-8"?>
+<p:sld xmlns:a="http://schemas.openxmlformats.org/drawingml/2006/main" xmlns:r="http://schemas.openxmlformats.org/officeDocument/2006/relationships" xmlns:p="http://schemas.openxmlformats.org/presentationml/2006/main">
+  <p:cSld>
+    <p:spTree>
+      <p:nvGrpSpPr>
+        <p:cNvPr id="1" name=""/>
+        <p:cNvGrpSpPr/>
+        <p:nvPr/>
+      </p:nvGrpSpPr>
+      <p:grpSpPr>
+        <a:xfrm>
+          <a:off x="0" y="0"/>
+          <a:ext cx="0" cy="0"/>
+          <a:chOff x="0" y="0"/>
+          <a:chExt cx="0" cy="0"/>
+        </a:xfrm>
+      </p:grpSpPr>
+      <p:graphicFrame>
+        <p:nvGraphicFramePr>
+          <p:cNvPr id="6" name="Object 5"/>
+          <p:cNvGraphicFramePr>
+            <a:graphicFrameLocks noChangeAspect="1"/>
+          </p:cNvGraphicFramePr>
+          <p:nvPr>
+            <p:extLst>
+              <p:ext uri="{D42A27DB-BD31-4B8C-83A1-F6EECF244321}">
+                <p14:modId xmlns:p14="http://schemas.microsoft.com/office/powerpoint/2010/main" val="848812934"/>
+              </p:ext>
+            </p:extLst>
+          </p:nvPr>
+        </p:nvGraphicFramePr>
+        <p:xfrm>
+          <a:off x="1513826" y="797528"/>
+          <a:ext cx="9164348" cy="5634012"/>
+        </p:xfrm>
+        <a:graphic>
+          <a:graphicData uri="http://schemas.openxmlformats.org/presentationml/2006/ole">
+            <mc:AlternateContent xmlns:mc="http://schemas.openxmlformats.org/markup-compatibility/2006">
+              <mc:Choice xmlns:v="urn:schemas-microsoft-com:vml" Requires="v">
+                <p:oleObj spid="_x0000_s1027" name="Image" r:id="rId3" imgW="10615680" imgH="6526800" progId="Photoshop.Image.16">
+                  <p:embed/>
+                </p:oleObj>
+              </mc:Choice>
+              <mc:Fallback>
+                <p:oleObj name="Image" r:id="rId3" imgW="10615680" imgH="6526800" progId="Photoshop.Image.16">
+                  <p:embed/>
+                  <p:pic>
+                    <p:nvPicPr>
+                      <p:cNvPr id="0" name=""/>
+                      <p:cNvPicPr/>
+                      <p:nvPr/>
+                    </p:nvPicPr>
+                    <p:blipFill>
+                      <a:blip r:embed="rId4"/>
+                      <a:stretch>
+                        <a:fillRect/>
+                      </a:stretch>
+                    </p:blipFill>
+                    <p:spPr>
+                      <a:xfrm>
+                        <a:off x="1513826" y="797528"/>
+                        <a:ext cx="9164348" cy="5634012"/>
+                      </a:xfrm>
+                      <a:prstGeom prst="rect">
+                        <a:avLst/>
+                      </a:prstGeom>
+                    </p:spPr>
+                  </p:pic>
+                </p:oleObj>
+              </mc:Fallback>
+            </mc:AlternateContent>
+          </a:graphicData>
+        </a:graphic>
+      </p:graphicFrame>
+      <p:sp>
+        <p:nvSpPr>
+          <p:cNvPr id="9" name="Rectangle 8"/>
+          <p:cNvSpPr/>
+          <p:nvPr/>
+        </p:nvSpPr>
+        <p:spPr>
+          <a:xfrm>
+            <a:off x="2878282" y="4471514"/>
+            <a:ext cx="6400800" cy="436418"/>
+          </a:xfrm>
+          <a:prstGeom prst="rect">
+            <a:avLst/>
+          </a:prstGeom>
+          <a:solidFill>
+            <a:schemeClr val="accent4">
+              <a:lumMod val="60000"/>
+              <a:lumOff val="40000"/>
+            </a:schemeClr>
+          </a:solidFill>
+        </p:spPr>
+        <p:style>
+          <a:lnRef idx="2">
+            <a:schemeClr val="accent1">
+              <a:shade val="50000"/>
+            </a:schemeClr>
+          </a:lnRef>
+          <a:fillRef idx="1">
+            <a:schemeClr val="accent1"/>
+          </a:fillRef>
+          <a:effectRef idx="0">
+            <a:schemeClr val="accent1"/>
+          </a:effectRef>
+          <a:fontRef idx="minor">
+            <a:schemeClr val="lt1"/>
+          </a:fontRef>
+        </p:style>
+        <p:txBody>
+          <a:bodyPr rtlCol="0" anchor="ctr"/>
+          <a:lstStyle/>
+          <a:p>
+            <a:pPr algn="ctr"/>
+            <a:endParaRPr lang="en-US"/>
+          </a:p>
+        </p:txBody>
+      </p:sp>
+      <p:sp>
+        <p:nvSpPr>
+          <p:cNvPr id="7" name="TextBox 6"/>
+          <p:cNvSpPr txBox="1"/>
+          <p:nvPr/>
+        </p:nvSpPr>
+        <p:spPr>
+          <a:xfrm>
+            <a:off x="4457698" y="4507427"/>
+            <a:ext cx="3979719" cy="369332"/>
+          </a:xfrm>
+          <a:prstGeom prst="rect">
+            <a:avLst/>
+          </a:prstGeom>
+          <a:noFill/>
+        </p:spPr>
+        <p:txBody>
+          <a:bodyPr wrap="square" rtlCol="0">
+            <a:spAutoFit/>
+          </a:bodyPr>
+          <a:lstStyle/>
+          <a:p>
+            <a:r>
+              <a:rPr lang="en-US" dirty="0" smtClean="0"/>
+              <a:t>Try to arrange for the interview</a:t>
+            </a:r>
+            <a:endParaRPr lang="en-US" dirty="0"/>
+          </a:p>
+        </p:txBody>
+      </p:sp>
+      <p:sp>
+        <p:nvSpPr>
+          <p:cNvPr id="8" name="TextBox 7"/>
+          <p:cNvSpPr txBox="1"/>
+          <p:nvPr/>
+        </p:nvSpPr>
+        <p:spPr>
+          <a:xfrm>
+            <a:off x="8022447" y="5053985"/>
+            <a:ext cx="1256635" cy="830997"/>
+          </a:xfrm>
+          <a:prstGeom prst="rect">
+            <a:avLst/>
+          </a:prstGeom>
+          <a:solidFill>
+            <a:schemeClr val="accent2">
+              <a:lumMod val="75000"/>
+            </a:schemeClr>
+          </a:solidFill>
+        </p:spPr>
+        <p:txBody>
+          <a:bodyPr wrap="square" rtlCol="0">
+            <a:spAutoFit/>
+          </a:bodyPr>
+          <a:lstStyle/>
+          <a:p>
+            <a:r>
+              <a:rPr lang="en-US" sz="1600" b="1" dirty="0" smtClean="0">
+                <a:solidFill>
+                  <a:schemeClr val="bg1"/>
+                </a:solidFill>
+              </a:rPr>
+              <a:t>Assignment</a:t>
+            </a:r>
+          </a:p>
+          <a:p>
+            <a:r>
+              <a:rPr lang="en-US" sz="1600" b="1" dirty="0" smtClean="0">
+                <a:solidFill>
+                  <a:schemeClr val="bg1"/>
+                </a:solidFill>
+              </a:rPr>
+              <a:t>Due, Fri </a:t>
+            </a:r>
+          </a:p>
+          <a:p>
+            <a:r>
+              <a:rPr lang="en-US" sz="1600" b="1" dirty="0" smtClean="0">
+                <a:solidFill>
+                  <a:schemeClr val="bg1"/>
+                </a:solidFill>
+              </a:rPr>
+              <a:t>March 4th</a:t>
+            </a:r>
+            <a:endParaRPr lang="en-US" sz="1600" b="1" dirty="0">
+              <a:solidFill>
+                <a:schemeClr val="bg1"/>
+              </a:solidFill>
+            </a:endParaRPr>
+          </a:p>
+        </p:txBody>
+      </p:sp>
+      <p:sp>
+        <p:nvSpPr>
+          <p:cNvPr id="10" name="Rectangle 9"/>
+          <p:cNvSpPr/>
+          <p:nvPr/>
+        </p:nvSpPr>
+        <p:spPr>
+          <a:xfrm>
+            <a:off x="5450364" y="3569514"/>
+            <a:ext cx="3828718" cy="436418"/>
+          </a:xfrm>
+          <a:prstGeom prst="rect">
+            <a:avLst/>
+          </a:prstGeom>
+          <a:solidFill>
+            <a:schemeClr val="accent4">
+              <a:lumMod val="60000"/>
+              <a:lumOff val="40000"/>
+            </a:schemeClr>
+          </a:solidFill>
+        </p:spPr>
+        <p:style>
+          <a:lnRef idx="2">
+            <a:schemeClr val="accent1">
+              <a:shade val="50000"/>
+            </a:schemeClr>
+          </a:lnRef>
+          <a:fillRef idx="1">
+            <a:schemeClr val="accent1"/>
+          </a:fillRef>
+          <a:effectRef idx="0">
+            <a:schemeClr val="accent1"/>
+          </a:effectRef>
+          <a:fontRef idx="minor">
+            <a:schemeClr val="lt1"/>
+          </a:fontRef>
+        </p:style>
+        <p:txBody>
+          <a:bodyPr rtlCol="0" anchor="ctr"/>
+          <a:lstStyle/>
+          <a:p>
+            <a:pPr algn="ctr"/>
+            <a:endParaRPr lang="en-US"/>
+          </a:p>
+        </p:txBody>
+      </p:sp>
+      <p:sp>
+        <p:nvSpPr>
+          <p:cNvPr id="11" name="TextBox 10"/>
+          <p:cNvSpPr txBox="1"/>
+          <p:nvPr/>
+        </p:nvSpPr>
+        <p:spPr>
+          <a:xfrm>
+            <a:off x="5566762" y="3615081"/>
+            <a:ext cx="3608411" cy="369332"/>
+          </a:xfrm>
+          <a:prstGeom prst="rect">
+            <a:avLst/>
+          </a:prstGeom>
+          <a:noFill/>
+        </p:spPr>
+        <p:txBody>
+          <a:bodyPr wrap="square" rtlCol="0">
+            <a:spAutoFit/>
+          </a:bodyPr>
+          <a:lstStyle/>
+          <a:p>
+            <a:pPr algn="ctr"/>
+            <a:r>
+              <a:rPr lang="en-US" dirty="0" smtClean="0"/>
+              <a:t>Try to arrange for the interview</a:t>
+            </a:r>
+            <a:endParaRPr lang="en-US" dirty="0"/>
+          </a:p>
+        </p:txBody>
+      </p:sp>
+    </p:spTree>
+    <p:extLst>
+      <p:ext uri="{BB962C8B-B14F-4D97-AF65-F5344CB8AC3E}">
+        <p14:creationId xmlns:p14="http://schemas.microsoft.com/office/powerpoint/2010/main" val="1854082533"/>
+      </p:ext>
+    </p:extLst>
+  </p:cSld>
+  <p:clrMapOvr>
+    <a:masterClrMapping/>
+  </p:clrMapOvr>
+</p:sld>
+</file>
+
+<file path=ppt/slides/slide31.xml><?xml version="1.0" encoding="utf-8"?>
 <p:sld xmlns:a="http://schemas.openxmlformats.org/drawingml/2006/main" xmlns:r="http://schemas.openxmlformats.org/officeDocument/2006/relationships" xmlns:p="http://schemas.openxmlformats.org/presentationml/2006/main">
   <p:cSld>
     <p:spTree>
@@ -11910,7 +12192,7 @@
   <p:timing>
     <p:tnLst>
       <p:par>
-        <p:cTn xmlns:p14="http://schemas.microsoft.com/office/powerpoint/2010/main" id="1" dur="indefinite" restart="never" nodeType="tmRoot">
+        <p:cTn id="1" dur="indefinite" restart="never" nodeType="tmRoot">
           <p:childTnLst>
             <p:seq concurrent="1" nextAc="seek">
               <p:cTn id="2" dur="indefinite" nodeType="mainSeq">
@@ -12752,7 +13034,7 @@
   <p:timing>
     <p:tnLst>
       <p:par>
-        <p:cTn xmlns:p14="http://schemas.microsoft.com/office/powerpoint/2010/main" id="1" dur="indefinite" restart="never" nodeType="tmRoot">
+        <p:cTn id="1" dur="indefinite" restart="never" nodeType="tmRoot">
           <p:childTnLst>
             <p:seq concurrent="1" nextAc="seek">
               <p:cTn id="2" dur="indefinite" nodeType="mainSeq">
@@ -13633,7 +13915,7 @@
   <p:timing>
     <p:tnLst>
       <p:par>
-        <p:cTn xmlns:p14="http://schemas.microsoft.com/office/powerpoint/2010/main" id="1" dur="indefinite" restart="never" nodeType="tmRoot">
+        <p:cTn id="1" dur="indefinite" restart="never" nodeType="tmRoot">
           <p:childTnLst>
             <p:seq concurrent="1" nextAc="seek">
               <p:cTn id="2" dur="indefinite" nodeType="mainSeq">
@@ -14544,7 +14826,7 @@
   <p:timing>
     <p:tnLst>
       <p:par>
-        <p:cTn xmlns:p14="http://schemas.microsoft.com/office/powerpoint/2010/main" id="1" dur="indefinite" restart="never" nodeType="tmRoot">
+        <p:cTn id="1" dur="indefinite" restart="never" nodeType="tmRoot">
           <p:childTnLst>
             <p:seq concurrent="1" nextAc="seek">
               <p:cTn id="2" dur="indefinite" nodeType="mainSeq">
@@ -15475,7 +15757,7 @@
   <p:timing>
     <p:tnLst>
       <p:par>
-        <p:cTn xmlns:p14="http://schemas.microsoft.com/office/powerpoint/2010/main" id="1" dur="indefinite" restart="never" nodeType="tmRoot">
+        <p:cTn id="1" dur="indefinite" restart="never" nodeType="tmRoot">
           <p:childTnLst>
             <p:seq concurrent="1" nextAc="seek">
               <p:cTn id="2" dur="indefinite" nodeType="mainSeq">
@@ -16280,7 +16562,7 @@
   <p:timing>
     <p:tnLst>
       <p:par>
-        <p:cTn xmlns:p14="http://schemas.microsoft.com/office/powerpoint/2010/main" id="1" dur="indefinite" restart="never" nodeType="tmRoot">
+        <p:cTn id="1" dur="indefinite" restart="never" nodeType="tmRoot">
           <p:childTnLst>
             <p:seq concurrent="1" nextAc="seek">
               <p:cTn id="2" dur="indefinite" nodeType="mainSeq">
@@ -16963,7 +17245,7 @@
   <a:extraClrSchemeLst/>
   <a:extLst>
     <a:ext uri="{05A4C25C-085E-4340-85A3-A5531E510DB2}">
-      <thm15:themeFamily xmlns="" xmlns:thm15="http://schemas.microsoft.com/office/thememl/2012/main" name="Office Theme" id="{62F939B6-93AF-4DB8-9C6B-D6C7DFDC589F}" vid="{4A3C46E8-61CC-4603-A589-7422A47A8E4A}"/>
+      <thm15:themeFamily xmlns:thm15="http://schemas.microsoft.com/office/thememl/2012/main" name="Office Theme" id="{62F939B6-93AF-4DB8-9C6B-D6C7DFDC589F}" vid="{4A3C46E8-61CC-4603-A589-7422A47A8E4A}"/>
     </a:ext>
   </a:extLst>
 </a:theme>
@@ -17224,7 +17506,7 @@
   <a:extraClrSchemeLst/>
   <a:extLst>
     <a:ext uri="{05A4C25C-085E-4340-85A3-A5531E510DB2}">
-      <thm15:themeFamily xmlns="" xmlns:thm15="http://schemas.microsoft.com/office/thememl/2012/main" name="Office Theme" id="{62F939B6-93AF-4DB8-9C6B-D6C7DFDC589F}" vid="{4A3C46E8-61CC-4603-A589-7422A47A8E4A}"/>
+      <thm15:themeFamily xmlns:thm15="http://schemas.microsoft.com/office/thememl/2012/main" name="Office Theme" id="{62F939B6-93AF-4DB8-9C6B-D6C7DFDC589F}" vid="{4A3C46E8-61CC-4603-A589-7422A47A8E4A}"/>
     </a:ext>
   </a:extLst>
 </a:theme>
